--- a/Clean code.pptx
+++ b/Clean code.pptx
@@ -285,6 +285,11 @@
       </a:defRPr>
     </a:lvl9pPr>
   </p:defaultTextStyle>
+  <p:extLst>
+    <p:ext uri="{EFAFB233-063F-42B5-8137-9DF3F51BA10A}">
+      <p15:sldGuideLst xmlns:p15="http://schemas.microsoft.com/office/powerpoint/2012/main"/>
+    </p:ext>
+  </p:extLst>
 </p:presentation>
 </file>
 
@@ -19425,8 +19430,560 @@
               <a:buNone/>
             </a:pPr>
             <a:r>
-              <a:rPr lang="en-US"/>
-              <a:t>Khi mọi người nhìn vào, Code nênđược gọn gàng, nhất quán, chi tiết. Muốn mọi người cảm nhận được  đây là do một chuyên gia làm việc. Nếu thay vào đó họ thấy được một khối lượng code xáo trộn trông giống như được viết bởi một loạt thủy thủ say rượu, sau đó họ có thể kết luận rằng sự thiếu chú ý đến chi tiết tràn ngập trong mọi khía cạnh khác của dự án.</a:t>
+              <a:rPr lang="en-US" dirty="0"/>
+              <a:t>Khi </a:t>
+            </a:r>
+            <a:r>
+              <a:rPr lang="en-US" dirty="0" err="1"/>
+              <a:t>mọi</a:t>
+            </a:r>
+            <a:r>
+              <a:rPr lang="en-US" dirty="0"/>
+              <a:t> </a:t>
+            </a:r>
+            <a:r>
+              <a:rPr lang="en-US" dirty="0" err="1"/>
+              <a:t>người</a:t>
+            </a:r>
+            <a:r>
+              <a:rPr lang="en-US" dirty="0"/>
+              <a:t> </a:t>
+            </a:r>
+            <a:r>
+              <a:rPr lang="en-US" dirty="0" err="1"/>
+              <a:t>nhìn</a:t>
+            </a:r>
+            <a:r>
+              <a:rPr lang="en-US" dirty="0"/>
+              <a:t> </a:t>
+            </a:r>
+            <a:r>
+              <a:rPr lang="en-US" dirty="0" err="1"/>
+              <a:t>vào</a:t>
+            </a:r>
+            <a:r>
+              <a:rPr lang="en-US" dirty="0"/>
+              <a:t>, Code </a:t>
+            </a:r>
+            <a:r>
+              <a:rPr lang="en-US" dirty="0" err="1"/>
+              <a:t>nênđược</a:t>
+            </a:r>
+            <a:r>
+              <a:rPr lang="en-US" dirty="0"/>
+              <a:t> </a:t>
+            </a:r>
+            <a:r>
+              <a:rPr lang="en-US" dirty="0" err="1"/>
+              <a:t>gọn</a:t>
+            </a:r>
+            <a:r>
+              <a:rPr lang="en-US" dirty="0"/>
+              <a:t> </a:t>
+            </a:r>
+            <a:r>
+              <a:rPr lang="en-US" dirty="0" err="1"/>
+              <a:t>gàng</a:t>
+            </a:r>
+            <a:r>
+              <a:rPr lang="en-US" dirty="0"/>
+              <a:t>, </a:t>
+            </a:r>
+            <a:r>
+              <a:rPr lang="en-US" dirty="0" err="1"/>
+              <a:t>nhất</a:t>
+            </a:r>
+            <a:r>
+              <a:rPr lang="en-US" dirty="0"/>
+              <a:t> </a:t>
+            </a:r>
+            <a:r>
+              <a:rPr lang="en-US" dirty="0" err="1"/>
+              <a:t>quán</a:t>
+            </a:r>
+            <a:r>
+              <a:rPr lang="en-US" dirty="0"/>
+              <a:t>, chi </a:t>
+            </a:r>
+            <a:r>
+              <a:rPr lang="en-US" dirty="0" err="1"/>
+              <a:t>tiết</a:t>
+            </a:r>
+            <a:r>
+              <a:rPr lang="en-US" dirty="0"/>
+              <a:t>. </a:t>
+            </a:r>
+            <a:r>
+              <a:rPr lang="en-US" dirty="0" err="1"/>
+              <a:t>Muốn</a:t>
+            </a:r>
+            <a:r>
+              <a:rPr lang="en-US" dirty="0"/>
+              <a:t> </a:t>
+            </a:r>
+            <a:r>
+              <a:rPr lang="en-US" dirty="0" err="1"/>
+              <a:t>mọi</a:t>
+            </a:r>
+            <a:r>
+              <a:rPr lang="en-US" dirty="0"/>
+              <a:t> </a:t>
+            </a:r>
+            <a:r>
+              <a:rPr lang="en-US" dirty="0" err="1"/>
+              <a:t>người</a:t>
+            </a:r>
+            <a:r>
+              <a:rPr lang="en-US" dirty="0"/>
+              <a:t> </a:t>
+            </a:r>
+            <a:r>
+              <a:rPr lang="en-US" dirty="0" err="1"/>
+              <a:t>cảm</a:t>
+            </a:r>
+            <a:r>
+              <a:rPr lang="en-US" dirty="0"/>
+              <a:t> </a:t>
+            </a:r>
+            <a:r>
+              <a:rPr lang="en-US" dirty="0" err="1"/>
+              <a:t>nhận</a:t>
+            </a:r>
+            <a:r>
+              <a:rPr lang="en-US" dirty="0"/>
+              <a:t> </a:t>
+            </a:r>
+            <a:r>
+              <a:rPr lang="en-US" dirty="0" err="1"/>
+              <a:t>được</a:t>
+            </a:r>
+            <a:r>
+              <a:rPr lang="en-US" dirty="0"/>
+              <a:t>  </a:t>
+            </a:r>
+            <a:r>
+              <a:rPr lang="en-US" dirty="0" err="1"/>
+              <a:t>đây</a:t>
+            </a:r>
+            <a:r>
+              <a:rPr lang="en-US" dirty="0"/>
+              <a:t> </a:t>
+            </a:r>
+            <a:r>
+              <a:rPr lang="en-US" dirty="0" err="1"/>
+              <a:t>là</a:t>
+            </a:r>
+            <a:r>
+              <a:rPr lang="en-US" dirty="0"/>
+              <a:t> do </a:t>
+            </a:r>
+            <a:r>
+              <a:rPr lang="en-US" dirty="0" err="1"/>
+              <a:t>một</a:t>
+            </a:r>
+            <a:r>
+              <a:rPr lang="en-US" dirty="0"/>
+              <a:t> </a:t>
+            </a:r>
+            <a:r>
+              <a:rPr lang="en-US" dirty="0" err="1"/>
+              <a:t>chuyên</a:t>
+            </a:r>
+            <a:r>
+              <a:rPr lang="en-US" dirty="0"/>
+              <a:t> </a:t>
+            </a:r>
+            <a:r>
+              <a:rPr lang="en-US" dirty="0" err="1"/>
+              <a:t>gia</a:t>
+            </a:r>
+            <a:r>
+              <a:rPr lang="en-US" dirty="0"/>
+              <a:t> </a:t>
+            </a:r>
+            <a:r>
+              <a:rPr lang="en-US" dirty="0" err="1"/>
+              <a:t>làm</a:t>
+            </a:r>
+            <a:r>
+              <a:rPr lang="en-US" dirty="0"/>
+              <a:t> </a:t>
+            </a:r>
+            <a:r>
+              <a:rPr lang="en-US" dirty="0" err="1"/>
+              <a:t>việc</a:t>
+            </a:r>
+            <a:r>
+              <a:rPr lang="en-US" dirty="0"/>
+              <a:t>. </a:t>
+            </a:r>
+            <a:r>
+              <a:rPr lang="en-US" dirty="0" err="1"/>
+              <a:t>Nếu</a:t>
+            </a:r>
+            <a:r>
+              <a:rPr lang="en-US" dirty="0"/>
+              <a:t> </a:t>
+            </a:r>
+            <a:r>
+              <a:rPr lang="en-US" dirty="0" err="1"/>
+              <a:t>thay</a:t>
+            </a:r>
+            <a:r>
+              <a:rPr lang="en-US" dirty="0"/>
+              <a:t> </a:t>
+            </a:r>
+            <a:r>
+              <a:rPr lang="en-US" dirty="0" err="1"/>
+              <a:t>vào</a:t>
+            </a:r>
+            <a:r>
+              <a:rPr lang="en-US" dirty="0"/>
+              <a:t> </a:t>
+            </a:r>
+            <a:r>
+              <a:rPr lang="en-US" dirty="0" err="1"/>
+              <a:t>đó</a:t>
+            </a:r>
+            <a:r>
+              <a:rPr lang="en-US" dirty="0"/>
+              <a:t> </a:t>
+            </a:r>
+            <a:r>
+              <a:rPr lang="en-US" dirty="0" err="1"/>
+              <a:t>họ</a:t>
+            </a:r>
+            <a:r>
+              <a:rPr lang="en-US" dirty="0"/>
+              <a:t> </a:t>
+            </a:r>
+            <a:r>
+              <a:rPr lang="en-US" dirty="0" err="1"/>
+              <a:t>thấy</a:t>
+            </a:r>
+            <a:r>
+              <a:rPr lang="en-US" dirty="0"/>
+              <a:t> </a:t>
+            </a:r>
+            <a:r>
+              <a:rPr lang="en-US" dirty="0" err="1"/>
+              <a:t>được</a:t>
+            </a:r>
+            <a:r>
+              <a:rPr lang="en-US" dirty="0"/>
+              <a:t> </a:t>
+            </a:r>
+            <a:r>
+              <a:rPr lang="en-US" dirty="0" err="1"/>
+              <a:t>một</a:t>
+            </a:r>
+            <a:r>
+              <a:rPr lang="en-US" dirty="0"/>
+              <a:t> </a:t>
+            </a:r>
+            <a:r>
+              <a:rPr lang="en-US" dirty="0" err="1"/>
+              <a:t>khối</a:t>
+            </a:r>
+            <a:r>
+              <a:rPr lang="en-US" dirty="0"/>
+              <a:t> </a:t>
+            </a:r>
+            <a:r>
+              <a:rPr lang="en-US" dirty="0" err="1"/>
+              <a:t>lượng</a:t>
+            </a:r>
+            <a:r>
+              <a:rPr lang="en-US" dirty="0"/>
+              <a:t> code </a:t>
+            </a:r>
+            <a:r>
+              <a:rPr lang="en-US" dirty="0" err="1"/>
+              <a:t>xáo</a:t>
+            </a:r>
+            <a:r>
+              <a:rPr lang="en-US" dirty="0"/>
+              <a:t> </a:t>
+            </a:r>
+            <a:r>
+              <a:rPr lang="en-US" dirty="0" err="1"/>
+              <a:t>trộn</a:t>
+            </a:r>
+            <a:r>
+              <a:rPr lang="en-US" dirty="0"/>
+              <a:t> </a:t>
+            </a:r>
+            <a:r>
+              <a:rPr lang="en-US" dirty="0" err="1"/>
+              <a:t>trông</a:t>
+            </a:r>
+            <a:r>
+              <a:rPr lang="en-US" dirty="0"/>
+              <a:t> </a:t>
+            </a:r>
+            <a:r>
+              <a:rPr lang="en-US" dirty="0" err="1"/>
+              <a:t>giống</a:t>
+            </a:r>
+            <a:r>
+              <a:rPr lang="en-US" dirty="0"/>
+              <a:t> </a:t>
+            </a:r>
+            <a:r>
+              <a:rPr lang="en-US" dirty="0" err="1"/>
+              <a:t>như</a:t>
+            </a:r>
+            <a:r>
+              <a:rPr lang="en-US" dirty="0"/>
+              <a:t> </a:t>
+            </a:r>
+            <a:r>
+              <a:rPr lang="en-US" dirty="0" err="1"/>
+              <a:t>được</a:t>
+            </a:r>
+            <a:r>
+              <a:rPr lang="en-US" dirty="0"/>
+              <a:t> </a:t>
+            </a:r>
+            <a:r>
+              <a:rPr lang="en-US" dirty="0" err="1"/>
+              <a:t>viết</a:t>
+            </a:r>
+            <a:r>
+              <a:rPr lang="en-US" dirty="0"/>
+              <a:t> </a:t>
+            </a:r>
+            <a:r>
+              <a:rPr lang="en-US" dirty="0" err="1"/>
+              <a:t>bởi</a:t>
+            </a:r>
+            <a:r>
+              <a:rPr lang="en-US" dirty="0"/>
+              <a:t> </a:t>
+            </a:r>
+            <a:r>
+              <a:rPr lang="en-US" dirty="0" err="1"/>
+              <a:t>một</a:t>
+            </a:r>
+            <a:r>
+              <a:rPr lang="en-US" dirty="0"/>
+              <a:t> </a:t>
+            </a:r>
+            <a:r>
+              <a:rPr lang="en-US" dirty="0" err="1"/>
+              <a:t>loạt</a:t>
+            </a:r>
+            <a:r>
+              <a:rPr lang="en-US" dirty="0"/>
+              <a:t> </a:t>
+            </a:r>
+            <a:r>
+              <a:rPr lang="en-US" dirty="0" err="1"/>
+              <a:t>thủy</a:t>
+            </a:r>
+            <a:r>
+              <a:rPr lang="en-US" dirty="0"/>
+              <a:t> </a:t>
+            </a:r>
+            <a:r>
+              <a:rPr lang="en-US" dirty="0" err="1"/>
+              <a:t>thủ</a:t>
+            </a:r>
+            <a:r>
+              <a:rPr lang="en-US" dirty="0"/>
+              <a:t> say </a:t>
+            </a:r>
+            <a:r>
+              <a:rPr lang="en-US" dirty="0" err="1"/>
+              <a:t>rượu</a:t>
+            </a:r>
+            <a:r>
+              <a:rPr lang="en-US" dirty="0"/>
+              <a:t>, </a:t>
+            </a:r>
+            <a:r>
+              <a:rPr lang="en-US" dirty="0" err="1"/>
+              <a:t>sau</a:t>
+            </a:r>
+            <a:r>
+              <a:rPr lang="en-US" dirty="0"/>
+              <a:t> </a:t>
+            </a:r>
+            <a:r>
+              <a:rPr lang="en-US" dirty="0" err="1"/>
+              <a:t>đó</a:t>
+            </a:r>
+            <a:r>
+              <a:rPr lang="en-US" dirty="0"/>
+              <a:t> </a:t>
+            </a:r>
+            <a:r>
+              <a:rPr lang="en-US" dirty="0" err="1"/>
+              <a:t>họ</a:t>
+            </a:r>
+            <a:r>
+              <a:rPr lang="en-US" dirty="0"/>
+              <a:t> </a:t>
+            </a:r>
+            <a:r>
+              <a:rPr lang="en-US" dirty="0" err="1"/>
+              <a:t>có</a:t>
+            </a:r>
+            <a:r>
+              <a:rPr lang="en-US" dirty="0"/>
+              <a:t> </a:t>
+            </a:r>
+            <a:r>
+              <a:rPr lang="en-US" dirty="0" err="1"/>
+              <a:t>thể</a:t>
+            </a:r>
+            <a:r>
+              <a:rPr lang="en-US" dirty="0"/>
+              <a:t> </a:t>
+            </a:r>
+            <a:r>
+              <a:rPr lang="en-US" dirty="0" err="1"/>
+              <a:t>kết</a:t>
+            </a:r>
+            <a:r>
+              <a:rPr lang="en-US" dirty="0"/>
+              <a:t> </a:t>
+            </a:r>
+            <a:r>
+              <a:rPr lang="en-US" dirty="0" err="1"/>
+              <a:t>luận</a:t>
+            </a:r>
+            <a:r>
+              <a:rPr lang="en-US" dirty="0"/>
+              <a:t> </a:t>
+            </a:r>
+            <a:r>
+              <a:rPr lang="en-US" dirty="0" err="1"/>
+              <a:t>rằng</a:t>
+            </a:r>
+            <a:r>
+              <a:rPr lang="en-US" dirty="0"/>
+              <a:t> </a:t>
+            </a:r>
+            <a:r>
+              <a:rPr lang="en-US" dirty="0" err="1"/>
+              <a:t>sự</a:t>
+            </a:r>
+            <a:r>
+              <a:rPr lang="en-US" dirty="0"/>
+              <a:t> </a:t>
+            </a:r>
+            <a:r>
+              <a:rPr lang="en-US" dirty="0" err="1"/>
+              <a:t>thiếu</a:t>
+            </a:r>
+            <a:r>
+              <a:rPr lang="en-US" dirty="0"/>
+              <a:t> </a:t>
+            </a:r>
+            <a:r>
+              <a:rPr lang="en-US" dirty="0" err="1"/>
+              <a:t>chú</a:t>
+            </a:r>
+            <a:r>
+              <a:rPr lang="en-US" dirty="0"/>
+              <a:t> ý </a:t>
+            </a:r>
+            <a:r>
+              <a:rPr lang="en-US" dirty="0" err="1"/>
+              <a:t>đến</a:t>
+            </a:r>
+            <a:r>
+              <a:rPr lang="en-US" dirty="0"/>
+              <a:t> chi </a:t>
+            </a:r>
+            <a:r>
+              <a:rPr lang="en-US" dirty="0" err="1"/>
+              <a:t>tiết</a:t>
+            </a:r>
+            <a:r>
+              <a:rPr lang="en-US" dirty="0"/>
+              <a:t> </a:t>
+            </a:r>
+            <a:r>
+              <a:rPr lang="en-US" dirty="0" err="1"/>
+              <a:t>tràn</a:t>
+            </a:r>
+            <a:r>
+              <a:rPr lang="en-US" dirty="0"/>
+              <a:t> </a:t>
+            </a:r>
+            <a:r>
+              <a:rPr lang="en-US" dirty="0" err="1"/>
+              <a:t>ngập</a:t>
+            </a:r>
+            <a:r>
+              <a:rPr lang="en-US" dirty="0"/>
+              <a:t> </a:t>
+            </a:r>
+            <a:r>
+              <a:rPr lang="en-US" dirty="0" err="1"/>
+              <a:t>trong</a:t>
+            </a:r>
+            <a:r>
+              <a:rPr lang="en-US" dirty="0"/>
+              <a:t> </a:t>
+            </a:r>
+            <a:r>
+              <a:rPr lang="en-US" dirty="0" err="1"/>
+              <a:t>mọi</a:t>
+            </a:r>
+            <a:r>
+              <a:rPr lang="en-US" dirty="0"/>
+              <a:t> </a:t>
+            </a:r>
+            <a:r>
+              <a:rPr lang="en-US" dirty="0" err="1"/>
+              <a:t>khía</a:t>
+            </a:r>
+            <a:r>
+              <a:rPr lang="en-US" dirty="0"/>
+              <a:t> </a:t>
+            </a:r>
+            <a:r>
+              <a:rPr lang="en-US" dirty="0" err="1"/>
+              <a:t>cạnh</a:t>
+            </a:r>
+            <a:r>
+              <a:rPr lang="en-US" dirty="0"/>
+              <a:t> </a:t>
+            </a:r>
+            <a:r>
+              <a:rPr lang="en-US" dirty="0" err="1"/>
+              <a:t>khác</a:t>
+            </a:r>
+            <a:r>
+              <a:rPr lang="en-US" dirty="0"/>
+              <a:t> </a:t>
+            </a:r>
+            <a:r>
+              <a:rPr lang="en-US" dirty="0" err="1"/>
+              <a:t>của</a:t>
+            </a:r>
+            <a:r>
+              <a:rPr lang="en-US" dirty="0"/>
+              <a:t> </a:t>
+            </a:r>
+            <a:r>
+              <a:rPr lang="en-US" dirty="0" err="1"/>
+              <a:t>dự</a:t>
+            </a:r>
+            <a:r>
+              <a:rPr lang="en-US" dirty="0"/>
+              <a:t> </a:t>
+            </a:r>
+            <a:r>
+              <a:rPr lang="en-US" dirty="0" err="1"/>
+              <a:t>án</a:t>
+            </a:r>
+            <a:r>
+              <a:rPr lang="en-US" dirty="0"/>
+              <a:t>.</a:t>
             </a:r>
           </a:p>
         </p:txBody>
@@ -27062,6 +27619,41 @@
           </a:prstGeom>
         </p:spPr>
       </p:pic>
+      <p:sp>
+        <p:nvSpPr>
+          <p:cNvPr id="3" name="Hộp Văn bản 2">
+            <a:extLst>
+              <a:ext uri="{FF2B5EF4-FFF2-40B4-BE49-F238E27FC236}">
+                <a16:creationId xmlns:a16="http://schemas.microsoft.com/office/drawing/2014/main" id="{A28FD708-3F87-46D0-AEBE-0EC43CC551E0}"/>
+              </a:ext>
+            </a:extLst>
+          </p:cNvPr>
+          <p:cNvSpPr txBox="1"/>
+          <p:nvPr/>
+        </p:nvSpPr>
+        <p:spPr>
+          <a:xfrm>
+            <a:off x="2447366" y="4032255"/>
+            <a:ext cx="3247464" cy="307777"/>
+          </a:xfrm>
+          <a:prstGeom prst="rect">
+            <a:avLst/>
+          </a:prstGeom>
+          <a:noFill/>
+        </p:spPr>
+        <p:txBody>
+          <a:bodyPr wrap="square" rtlCol="0">
+            <a:spAutoFit/>
+          </a:bodyPr>
+          <a:lstStyle/>
+          <a:p>
+            <a:r>
+              <a:rPr lang="en-US" dirty="0"/>
+              <a:t>Source and Destination</a:t>
+            </a:r>
+          </a:p>
+        </p:txBody>
+      </p:sp>
     </p:spTree>
     <p:extLst>
       <p:ext uri="{BB962C8B-B14F-4D97-AF65-F5344CB8AC3E}">
